--- a/doc/tex/lib/binary_source/figures_raw/BinarySequenceN3.pptx
+++ b/doc/tex/lib/binary_source/figures_raw/BinarySequenceN3.pptx
@@ -112,10 +112,6 @@
 </p:presentation>
 </file>
 
-<file path=ppt/revisionInfo.xml><?xml version="1.0" encoding="utf-8"?>
-<p1510:revInfo xmlns:a="http://schemas.openxmlformats.org/drawingml/2006/main" xmlns:r="http://schemas.openxmlformats.org/officeDocument/2006/relationships" xmlns:p1510="http://schemas.microsoft.com/office/powerpoint/2015/10/main"/>
-</file>
-
 <file path=ppt/slideLayouts/slideLayout1.xml><?xml version="1.0" encoding="utf-8"?>
 <p:sldLayout xmlns:a="http://schemas.openxmlformats.org/drawingml/2006/main" xmlns:r="http://schemas.openxmlformats.org/officeDocument/2006/relationships" xmlns:p="http://schemas.openxmlformats.org/presentationml/2006/main" type="title" preserve="1">
   <p:cSld name="Title Slide">
@@ -247,7 +243,7 @@
           <a:p>
             <a:fld id="{DB8BFED9-D3A3-4696-9FC4-016073DB8734}" type="datetimeFigureOut">
               <a:rPr lang="pt-PT" smtClean="0"/>
-              <a:t>10-12-2017</a:t>
+              <a:t>30/03/2019</a:t>
             </a:fld>
             <a:endParaRPr lang="pt-PT"/>
           </a:p>
@@ -417,7 +413,7 @@
           <a:p>
             <a:fld id="{DB8BFED9-D3A3-4696-9FC4-016073DB8734}" type="datetimeFigureOut">
               <a:rPr lang="pt-PT" smtClean="0"/>
-              <a:t>10-12-2017</a:t>
+              <a:t>30/03/2019</a:t>
             </a:fld>
             <a:endParaRPr lang="pt-PT"/>
           </a:p>
@@ -597,7 +593,7 @@
           <a:p>
             <a:fld id="{DB8BFED9-D3A3-4696-9FC4-016073DB8734}" type="datetimeFigureOut">
               <a:rPr lang="pt-PT" smtClean="0"/>
-              <a:t>10-12-2017</a:t>
+              <a:t>30/03/2019</a:t>
             </a:fld>
             <a:endParaRPr lang="pt-PT"/>
           </a:p>
@@ -767,7 +763,7 @@
           <a:p>
             <a:fld id="{DB8BFED9-D3A3-4696-9FC4-016073DB8734}" type="datetimeFigureOut">
               <a:rPr lang="pt-PT" smtClean="0"/>
-              <a:t>10-12-2017</a:t>
+              <a:t>30/03/2019</a:t>
             </a:fld>
             <a:endParaRPr lang="pt-PT"/>
           </a:p>
@@ -1013,7 +1009,7 @@
           <a:p>
             <a:fld id="{DB8BFED9-D3A3-4696-9FC4-016073DB8734}" type="datetimeFigureOut">
               <a:rPr lang="pt-PT" smtClean="0"/>
-              <a:t>10-12-2017</a:t>
+              <a:t>30/03/2019</a:t>
             </a:fld>
             <a:endParaRPr lang="pt-PT"/>
           </a:p>
@@ -1245,7 +1241,7 @@
           <a:p>
             <a:fld id="{DB8BFED9-D3A3-4696-9FC4-016073DB8734}" type="datetimeFigureOut">
               <a:rPr lang="pt-PT" smtClean="0"/>
-              <a:t>10-12-2017</a:t>
+              <a:t>30/03/2019</a:t>
             </a:fld>
             <a:endParaRPr lang="pt-PT"/>
           </a:p>
@@ -1612,7 +1608,7 @@
           <a:p>
             <a:fld id="{DB8BFED9-D3A3-4696-9FC4-016073DB8734}" type="datetimeFigureOut">
               <a:rPr lang="pt-PT" smtClean="0"/>
-              <a:t>10-12-2017</a:t>
+              <a:t>30/03/2019</a:t>
             </a:fld>
             <a:endParaRPr lang="pt-PT"/>
           </a:p>
@@ -1730,7 +1726,7 @@
           <a:p>
             <a:fld id="{DB8BFED9-D3A3-4696-9FC4-016073DB8734}" type="datetimeFigureOut">
               <a:rPr lang="pt-PT" smtClean="0"/>
-              <a:t>10-12-2017</a:t>
+              <a:t>30/03/2019</a:t>
             </a:fld>
             <a:endParaRPr lang="pt-PT"/>
           </a:p>
@@ -1825,7 +1821,7 @@
           <a:p>
             <a:fld id="{DB8BFED9-D3A3-4696-9FC4-016073DB8734}" type="datetimeFigureOut">
               <a:rPr lang="pt-PT" smtClean="0"/>
-              <a:t>10-12-2017</a:t>
+              <a:t>30/03/2019</a:t>
             </a:fld>
             <a:endParaRPr lang="pt-PT"/>
           </a:p>
@@ -2102,7 +2098,7 @@
           <a:p>
             <a:fld id="{DB8BFED9-D3A3-4696-9FC4-016073DB8734}" type="datetimeFigureOut">
               <a:rPr lang="pt-PT" smtClean="0"/>
-              <a:t>10-12-2017</a:t>
+              <a:t>30/03/2019</a:t>
             </a:fld>
             <a:endParaRPr lang="pt-PT"/>
           </a:p>
@@ -2355,7 +2351,7 @@
           <a:p>
             <a:fld id="{DB8BFED9-D3A3-4696-9FC4-016073DB8734}" type="datetimeFigureOut">
               <a:rPr lang="pt-PT" smtClean="0"/>
-              <a:t>10-12-2017</a:t>
+              <a:t>30/03/2019</a:t>
             </a:fld>
             <a:endParaRPr lang="pt-PT"/>
           </a:p>
@@ -2568,7 +2564,7 @@
           <a:p>
             <a:fld id="{DB8BFED9-D3A3-4696-9FC4-016073DB8734}" type="datetimeFigureOut">
               <a:rPr lang="pt-PT" smtClean="0"/>
-              <a:t>10-12-2017</a:t>
+              <a:t>30/03/2019</a:t>
             </a:fld>
             <a:endParaRPr lang="pt-PT"/>
           </a:p>
@@ -2981,112 +2977,12 @@
         </p:nvGrpSpPr>
         <p:grpSpPr>
           <a:xfrm>
-            <a:off x="3712191" y="2074750"/>
-            <a:ext cx="4599296" cy="3566085"/>
-            <a:chOff x="3712191" y="2074750"/>
-            <a:chExt cx="4599296" cy="3566085"/>
+            <a:off x="3712191" y="2458068"/>
+            <a:ext cx="4599296" cy="3049603"/>
+            <a:chOff x="3712191" y="2458068"/>
+            <a:chExt cx="4599296" cy="3049603"/>
           </a:xfrm>
         </p:grpSpPr>
-        <p:sp>
-          <p:nvSpPr>
-            <p:cNvPr id="20" name="Rectangle 19"/>
-            <p:cNvSpPr/>
-            <p:nvPr/>
-          </p:nvSpPr>
-          <p:spPr>
-            <a:xfrm>
-              <a:off x="3737218" y="3471945"/>
-              <a:ext cx="587984" cy="717452"/>
-            </a:xfrm>
-            <a:prstGeom prst="rect">
-              <a:avLst/>
-            </a:prstGeom>
-            <a:solidFill>
-              <a:schemeClr val="tx1">
-                <a:lumMod val="65000"/>
-                <a:lumOff val="35000"/>
-                <a:alpha val="50000"/>
-              </a:schemeClr>
-            </a:solidFill>
-            <a:ln>
-              <a:noFill/>
-            </a:ln>
-          </p:spPr>
-          <p:style>
-            <a:lnRef idx="2">
-              <a:schemeClr val="accent1">
-                <a:shade val="50000"/>
-              </a:schemeClr>
-            </a:lnRef>
-            <a:fillRef idx="1">
-              <a:schemeClr val="accent1"/>
-            </a:fillRef>
-            <a:effectRef idx="0">
-              <a:schemeClr val="accent1"/>
-            </a:effectRef>
-            <a:fontRef idx="minor">
-              <a:schemeClr val="lt1"/>
-            </a:fontRef>
-          </p:style>
-          <p:txBody>
-            <a:bodyPr rtlCol="0" anchor="ctr"/>
-            <a:lstStyle/>
-            <a:p>
-              <a:pPr algn="ctr"/>
-              <a:endParaRPr lang="pt-PT"/>
-            </a:p>
-          </p:txBody>
-        </p:sp>
-        <p:sp>
-          <p:nvSpPr>
-            <p:cNvPr id="11" name="Rectangle 10"/>
-            <p:cNvSpPr/>
-            <p:nvPr/>
-          </p:nvSpPr>
-          <p:spPr>
-            <a:xfrm>
-              <a:off x="6801136" y="3516923"/>
-              <a:ext cx="1141866" cy="717452"/>
-            </a:xfrm>
-            <a:prstGeom prst="rect">
-              <a:avLst/>
-            </a:prstGeom>
-            <a:solidFill>
-              <a:schemeClr val="tx1">
-                <a:lumMod val="65000"/>
-                <a:lumOff val="35000"/>
-                <a:alpha val="50000"/>
-              </a:schemeClr>
-            </a:solidFill>
-            <a:ln>
-              <a:noFill/>
-            </a:ln>
-          </p:spPr>
-          <p:style>
-            <a:lnRef idx="2">
-              <a:schemeClr val="accent1">
-                <a:shade val="50000"/>
-              </a:schemeClr>
-            </a:lnRef>
-            <a:fillRef idx="1">
-              <a:schemeClr val="accent1"/>
-            </a:fillRef>
-            <a:effectRef idx="0">
-              <a:schemeClr val="accent1"/>
-            </a:effectRef>
-            <a:fontRef idx="minor">
-              <a:schemeClr val="lt1"/>
-            </a:fontRef>
-          </p:style>
-          <p:txBody>
-            <a:bodyPr rtlCol="0" anchor="ctr"/>
-            <a:lstStyle/>
-            <a:p>
-              <a:pPr algn="ctr"/>
-              <a:endParaRPr lang="pt-PT"/>
-            </a:p>
-          </p:txBody>
-        </p:sp>
         <p:sp>
           <p:nvSpPr>
             <p:cNvPr id="4" name="TextBox 3"/>
@@ -3095,7 +2991,7 @@
           </p:nvSpPr>
           <p:spPr>
             <a:xfrm>
-              <a:off x="3712191" y="3276673"/>
+              <a:off x="3712191" y="3240389"/>
               <a:ext cx="4599296" cy="1107996"/>
             </a:xfrm>
             <a:prstGeom prst="rect">
@@ -3296,7 +3192,7 @@
           </p:nvSpPr>
           <p:spPr>
             <a:xfrm>
-              <a:off x="5709314" y="4665353"/>
+              <a:off x="5256666" y="4608641"/>
               <a:ext cx="309351" cy="461665"/>
             </a:xfrm>
             <a:prstGeom prst="rect">
@@ -3310,6 +3206,7 @@
             </a:bodyPr>
             <a:lstStyle/>
             <a:p>
+              <a:pPr lvl="1"/>
               <a:r>
                 <a:rPr lang="pt-PT" sz="2400" dirty="0"/>
                 <a:t>3</a:t>
@@ -3401,7 +3298,7 @@
           </p:nvSpPr>
           <p:spPr>
             <a:xfrm>
-              <a:off x="6938750" y="5179170"/>
+              <a:off x="6929872" y="5046006"/>
               <a:ext cx="309351" cy="461665"/>
             </a:xfrm>
             <a:prstGeom prst="rect">
@@ -3453,51 +3350,13 @@
         </p:sp>
         <p:sp>
           <p:nvSpPr>
-            <p:cNvPr id="25" name="Right Brace 24"/>
-            <p:cNvSpPr/>
-            <p:nvPr/>
-          </p:nvSpPr>
-          <p:spPr>
-            <a:xfrm rot="16200000">
-              <a:off x="6550321" y="2291971"/>
-              <a:ext cx="1157573" cy="1803778"/>
-            </a:xfrm>
-            <a:prstGeom prst="rightBrace">
-              <a:avLst/>
-            </a:prstGeom>
-          </p:spPr>
-          <p:style>
-            <a:lnRef idx="3">
-              <a:schemeClr val="dk1"/>
-            </a:lnRef>
-            <a:fillRef idx="0">
-              <a:schemeClr val="dk1"/>
-            </a:fillRef>
-            <a:effectRef idx="2">
-              <a:schemeClr val="dk1"/>
-            </a:effectRef>
-            <a:fontRef idx="minor">
-              <a:schemeClr val="tx1"/>
-            </a:fontRef>
-          </p:style>
-          <p:txBody>
-            <a:bodyPr rtlCol="0" anchor="ctr"/>
-            <a:lstStyle/>
-            <a:p>
-              <a:pPr algn="ctr"/>
-              <a:endParaRPr lang="pt-PT"/>
-            </a:p>
-          </p:txBody>
-        </p:sp>
-        <p:sp>
-          <p:nvSpPr>
             <p:cNvPr id="26" name="TextBox 25"/>
             <p:cNvSpPr txBox="1"/>
             <p:nvPr/>
           </p:nvSpPr>
           <p:spPr>
             <a:xfrm>
-              <a:off x="6941419" y="2074750"/>
+              <a:off x="3854142" y="2458068"/>
               <a:ext cx="309351" cy="461665"/>
             </a:xfrm>
             <a:prstGeom prst="rect">
@@ -3526,7 +3385,7 @@
           </p:nvSpPr>
           <p:spPr>
             <a:xfrm>
-              <a:off x="3854142" y="2752414"/>
+              <a:off x="7561554" y="4722782"/>
               <a:ext cx="309351" cy="461665"/>
             </a:xfrm>
             <a:prstGeom prst="rect">
@@ -3547,42 +3406,1047 @@
             </a:p>
           </p:txBody>
         </p:sp>
-        <p:cxnSp>
-          <p:nvCxnSpPr>
-            <p:cNvPr id="22" name="Straight Connector 21"/>
-            <p:cNvCxnSpPr/>
-            <p:nvPr/>
-          </p:nvCxnSpPr>
-          <p:spPr>
-            <a:xfrm flipV="1">
-              <a:off x="4008818" y="3193860"/>
-              <a:ext cx="0" cy="278085"/>
-            </a:xfrm>
-            <a:prstGeom prst="line">
-              <a:avLst/>
-            </a:prstGeom>
-            <a:ln>
-              <a:solidFill>
-                <a:schemeClr val="tx1"/>
-              </a:solidFill>
-            </a:ln>
-          </p:spPr>
-          <p:style>
-            <a:lnRef idx="1">
-              <a:schemeClr val="accent1"/>
-            </a:lnRef>
-            <a:fillRef idx="0">
-              <a:schemeClr val="accent1"/>
-            </a:fillRef>
-            <a:effectRef idx="0">
-              <a:schemeClr val="accent1"/>
-            </a:effectRef>
-            <a:fontRef idx="minor">
-              <a:schemeClr val="tx1"/>
-            </a:fontRef>
-          </p:style>
-        </p:cxnSp>
       </p:grpSp>
+      <p:sp>
+        <p:nvSpPr>
+          <p:cNvPr id="21" name="Right Brace 5">
+            <a:extLst>
+              <a:ext uri="{FF2B5EF4-FFF2-40B4-BE49-F238E27FC236}">
+                <a16:creationId xmlns:a16="http://schemas.microsoft.com/office/drawing/2014/main" id="{E4657D10-9F3C-4926-A9D3-9D3739A3C0A9}"/>
+              </a:ext>
+            </a:extLst>
+          </p:cNvPr>
+          <p:cNvSpPr/>
+          <p:nvPr/>
+        </p:nvSpPr>
+        <p:spPr>
+          <a:xfrm rot="16200000">
+            <a:off x="3669405" y="2402539"/>
+            <a:ext cx="696032" cy="1803778"/>
+          </a:xfrm>
+          <a:prstGeom prst="rightBrace">
+            <a:avLst/>
+          </a:prstGeom>
+        </p:spPr>
+        <p:style>
+          <a:lnRef idx="3">
+            <a:schemeClr val="dk1"/>
+          </a:lnRef>
+          <a:fillRef idx="0">
+            <a:schemeClr val="dk1"/>
+          </a:fillRef>
+          <a:effectRef idx="2">
+            <a:schemeClr val="dk1"/>
+          </a:effectRef>
+          <a:fontRef idx="minor">
+            <a:schemeClr val="tx1"/>
+          </a:fontRef>
+        </p:style>
+        <p:txBody>
+          <a:bodyPr rtlCol="0" anchor="ctr"/>
+          <a:lstStyle/>
+          <a:p>
+            <a:pPr algn="ctr"/>
+            <a:endParaRPr lang="pt-PT"/>
+          </a:p>
+        </p:txBody>
+      </p:sp>
+      <p:sp>
+        <p:nvSpPr>
+          <p:cNvPr id="23" name="Right Brace 5">
+            <a:extLst>
+              <a:ext uri="{FF2B5EF4-FFF2-40B4-BE49-F238E27FC236}">
+                <a16:creationId xmlns:a16="http://schemas.microsoft.com/office/drawing/2014/main" id="{3D7B9307-8251-43F4-97A7-F5A7A0772ACA}"/>
+              </a:ext>
+            </a:extLst>
+          </p:cNvPr>
+          <p:cNvSpPr/>
+          <p:nvPr/>
+        </p:nvSpPr>
+        <p:spPr>
+          <a:xfrm rot="5400000">
+            <a:off x="7389130" y="3455121"/>
+            <a:ext cx="696032" cy="1803778"/>
+          </a:xfrm>
+          <a:prstGeom prst="rightBrace">
+            <a:avLst/>
+          </a:prstGeom>
+        </p:spPr>
+        <p:style>
+          <a:lnRef idx="3">
+            <a:schemeClr val="dk1"/>
+          </a:lnRef>
+          <a:fillRef idx="0">
+            <a:schemeClr val="dk1"/>
+          </a:fillRef>
+          <a:effectRef idx="2">
+            <a:schemeClr val="dk1"/>
+          </a:effectRef>
+          <a:fontRef idx="minor">
+            <a:schemeClr val="tx1"/>
+          </a:fontRef>
+        </p:style>
+        <p:txBody>
+          <a:bodyPr rtlCol="0" anchor="ctr"/>
+          <a:lstStyle/>
+          <a:p>
+            <a:pPr algn="ctr"/>
+            <a:endParaRPr lang="pt-PT"/>
+          </a:p>
+        </p:txBody>
+      </p:sp>
+      <p:sp>
+        <p:nvSpPr>
+          <p:cNvPr id="3" name="Retângulo 2">
+            <a:extLst>
+              <a:ext uri="{FF2B5EF4-FFF2-40B4-BE49-F238E27FC236}">
+                <a16:creationId xmlns:a16="http://schemas.microsoft.com/office/drawing/2014/main" id="{B66E7A98-C923-46A4-A125-FDBD90E6C482}"/>
+              </a:ext>
+            </a:extLst>
+          </p:cNvPr>
+          <p:cNvSpPr/>
+          <p:nvPr/>
+        </p:nvSpPr>
+        <p:spPr>
+          <a:xfrm>
+            <a:off x="8220722" y="3698540"/>
+            <a:ext cx="695813" cy="696032"/>
+          </a:xfrm>
+          <a:prstGeom prst="rect">
+            <a:avLst/>
+          </a:prstGeom>
+          <a:solidFill>
+            <a:schemeClr val="bg1"/>
+          </a:solidFill>
+          <a:ln>
+            <a:solidFill>
+              <a:schemeClr val="bg1"/>
+            </a:solidFill>
+          </a:ln>
+        </p:spPr>
+        <p:style>
+          <a:lnRef idx="2">
+            <a:schemeClr val="accent1">
+              <a:shade val="50000"/>
+            </a:schemeClr>
+          </a:lnRef>
+          <a:fillRef idx="1">
+            <a:schemeClr val="accent1"/>
+          </a:fillRef>
+          <a:effectRef idx="0">
+            <a:schemeClr val="accent1"/>
+          </a:effectRef>
+          <a:fontRef idx="minor">
+            <a:schemeClr val="lt1"/>
+          </a:fontRef>
+        </p:style>
+        <p:txBody>
+          <a:bodyPr rtlCol="0" anchor="ctr"/>
+          <a:lstStyle/>
+          <a:p>
+            <a:pPr algn="ctr"/>
+            <a:endParaRPr lang="pt-PT"/>
+          </a:p>
+        </p:txBody>
+      </p:sp>
+      <p:sp>
+        <p:nvSpPr>
+          <p:cNvPr id="24" name="Retângulo 23">
+            <a:extLst>
+              <a:ext uri="{FF2B5EF4-FFF2-40B4-BE49-F238E27FC236}">
+                <a16:creationId xmlns:a16="http://schemas.microsoft.com/office/drawing/2014/main" id="{D502704D-0787-4F6F-ABEF-32BBB42D2B10}"/>
+              </a:ext>
+            </a:extLst>
+          </p:cNvPr>
+          <p:cNvSpPr/>
+          <p:nvPr/>
+        </p:nvSpPr>
+        <p:spPr>
+          <a:xfrm>
+            <a:off x="3086075" y="3232364"/>
+            <a:ext cx="695813" cy="696032"/>
+          </a:xfrm>
+          <a:prstGeom prst="rect">
+            <a:avLst/>
+          </a:prstGeom>
+          <a:solidFill>
+            <a:schemeClr val="bg1"/>
+          </a:solidFill>
+          <a:ln>
+            <a:solidFill>
+              <a:schemeClr val="bg1"/>
+            </a:solidFill>
+          </a:ln>
+        </p:spPr>
+        <p:style>
+          <a:lnRef idx="2">
+            <a:schemeClr val="accent1">
+              <a:shade val="50000"/>
+            </a:schemeClr>
+          </a:lnRef>
+          <a:fillRef idx="1">
+            <a:schemeClr val="accent1"/>
+          </a:fillRef>
+          <a:effectRef idx="0">
+            <a:schemeClr val="accent1"/>
+          </a:effectRef>
+          <a:fontRef idx="minor">
+            <a:schemeClr val="lt1"/>
+          </a:fontRef>
+        </p:style>
+        <p:txBody>
+          <a:bodyPr rtlCol="0" anchor="ctr"/>
+          <a:lstStyle/>
+          <a:p>
+            <a:pPr algn="ctr"/>
+            <a:endParaRPr lang="pt-PT"/>
+          </a:p>
+        </p:txBody>
+      </p:sp>
+      <p:sp>
+        <p:nvSpPr>
+          <p:cNvPr id="16" name="Oval 15">
+            <a:extLst>
+              <a:ext uri="{FF2B5EF4-FFF2-40B4-BE49-F238E27FC236}">
+                <a16:creationId xmlns:a16="http://schemas.microsoft.com/office/drawing/2014/main" id="{B8E8D09C-EE50-44CC-96B7-A88BB4527C55}"/>
+              </a:ext>
+            </a:extLst>
+          </p:cNvPr>
+          <p:cNvSpPr/>
+          <p:nvPr/>
+        </p:nvSpPr>
+        <p:spPr>
+          <a:xfrm>
+            <a:off x="8265768" y="4327570"/>
+            <a:ext cx="45719" cy="58879"/>
+          </a:xfrm>
+          <a:prstGeom prst="ellipse">
+            <a:avLst/>
+          </a:prstGeom>
+          <a:solidFill>
+            <a:schemeClr val="tx1"/>
+          </a:solidFill>
+          <a:ln>
+            <a:solidFill>
+              <a:schemeClr val="bg1"/>
+            </a:solidFill>
+          </a:ln>
+        </p:spPr>
+        <p:style>
+          <a:lnRef idx="2">
+            <a:schemeClr val="accent1">
+              <a:shade val="50000"/>
+            </a:schemeClr>
+          </a:lnRef>
+          <a:fillRef idx="1">
+            <a:schemeClr val="accent1"/>
+          </a:fillRef>
+          <a:effectRef idx="0">
+            <a:schemeClr val="accent1"/>
+          </a:effectRef>
+          <a:fontRef idx="minor">
+            <a:schemeClr val="lt1"/>
+          </a:fontRef>
+        </p:style>
+        <p:txBody>
+          <a:bodyPr rtlCol="0" anchor="ctr"/>
+          <a:lstStyle/>
+          <a:p>
+            <a:pPr algn="ctr"/>
+            <a:endParaRPr lang="pt-PT"/>
+          </a:p>
+        </p:txBody>
+      </p:sp>
+      <p:sp>
+        <p:nvSpPr>
+          <p:cNvPr id="29" name="Oval 28">
+            <a:extLst>
+              <a:ext uri="{FF2B5EF4-FFF2-40B4-BE49-F238E27FC236}">
+                <a16:creationId xmlns:a16="http://schemas.microsoft.com/office/drawing/2014/main" id="{65DC2178-ACE4-4E13-A3E8-BC6A07581B26}"/>
+              </a:ext>
+            </a:extLst>
+          </p:cNvPr>
+          <p:cNvSpPr/>
+          <p:nvPr/>
+        </p:nvSpPr>
+        <p:spPr>
+          <a:xfrm>
+            <a:off x="8340944" y="4327570"/>
+            <a:ext cx="45719" cy="58879"/>
+          </a:xfrm>
+          <a:prstGeom prst="ellipse">
+            <a:avLst/>
+          </a:prstGeom>
+          <a:solidFill>
+            <a:schemeClr val="tx1"/>
+          </a:solidFill>
+          <a:ln>
+            <a:solidFill>
+              <a:schemeClr val="bg1"/>
+            </a:solidFill>
+          </a:ln>
+        </p:spPr>
+        <p:style>
+          <a:lnRef idx="2">
+            <a:schemeClr val="accent1">
+              <a:shade val="50000"/>
+            </a:schemeClr>
+          </a:lnRef>
+          <a:fillRef idx="1">
+            <a:schemeClr val="accent1"/>
+          </a:fillRef>
+          <a:effectRef idx="0">
+            <a:schemeClr val="accent1"/>
+          </a:effectRef>
+          <a:fontRef idx="minor">
+            <a:schemeClr val="lt1"/>
+          </a:fontRef>
+        </p:style>
+        <p:txBody>
+          <a:bodyPr rtlCol="0" anchor="ctr"/>
+          <a:lstStyle/>
+          <a:p>
+            <a:pPr algn="ctr"/>
+            <a:endParaRPr lang="pt-PT"/>
+          </a:p>
+        </p:txBody>
+      </p:sp>
+      <p:sp>
+        <p:nvSpPr>
+          <p:cNvPr id="30" name="Oval 29">
+            <a:extLst>
+              <a:ext uri="{FF2B5EF4-FFF2-40B4-BE49-F238E27FC236}">
+                <a16:creationId xmlns:a16="http://schemas.microsoft.com/office/drawing/2014/main" id="{85C15CDC-DDFF-4CA1-8338-EF1DA155977C}"/>
+              </a:ext>
+            </a:extLst>
+          </p:cNvPr>
+          <p:cNvSpPr/>
+          <p:nvPr/>
+        </p:nvSpPr>
+        <p:spPr>
+          <a:xfrm>
+            <a:off x="8436344" y="4327570"/>
+            <a:ext cx="45719" cy="58879"/>
+          </a:xfrm>
+          <a:prstGeom prst="ellipse">
+            <a:avLst/>
+          </a:prstGeom>
+          <a:solidFill>
+            <a:schemeClr val="tx1"/>
+          </a:solidFill>
+          <a:ln>
+            <a:solidFill>
+              <a:schemeClr val="bg1"/>
+            </a:solidFill>
+          </a:ln>
+        </p:spPr>
+        <p:style>
+          <a:lnRef idx="2">
+            <a:schemeClr val="accent1">
+              <a:shade val="50000"/>
+            </a:schemeClr>
+          </a:lnRef>
+          <a:fillRef idx="1">
+            <a:schemeClr val="accent1"/>
+          </a:fillRef>
+          <a:effectRef idx="0">
+            <a:schemeClr val="accent1"/>
+          </a:effectRef>
+          <a:fontRef idx="minor">
+            <a:schemeClr val="lt1"/>
+          </a:fontRef>
+        </p:style>
+        <p:txBody>
+          <a:bodyPr rtlCol="0" anchor="ctr"/>
+          <a:lstStyle/>
+          <a:p>
+            <a:pPr algn="ctr"/>
+            <a:endParaRPr lang="pt-PT"/>
+          </a:p>
+        </p:txBody>
+      </p:sp>
+      <p:sp>
+        <p:nvSpPr>
+          <p:cNvPr id="31" name="Oval 30">
+            <a:extLst>
+              <a:ext uri="{FF2B5EF4-FFF2-40B4-BE49-F238E27FC236}">
+                <a16:creationId xmlns:a16="http://schemas.microsoft.com/office/drawing/2014/main" id="{66D3345C-20DB-4054-B627-11C39214F267}"/>
+              </a:ext>
+            </a:extLst>
+          </p:cNvPr>
+          <p:cNvSpPr/>
+          <p:nvPr/>
+        </p:nvSpPr>
+        <p:spPr>
+          <a:xfrm>
+            <a:off x="3498199" y="3267023"/>
+            <a:ext cx="45719" cy="58879"/>
+          </a:xfrm>
+          <a:prstGeom prst="ellipse">
+            <a:avLst/>
+          </a:prstGeom>
+          <a:solidFill>
+            <a:schemeClr val="tx1"/>
+          </a:solidFill>
+          <a:ln>
+            <a:solidFill>
+              <a:schemeClr val="bg1"/>
+            </a:solidFill>
+          </a:ln>
+        </p:spPr>
+        <p:style>
+          <a:lnRef idx="2">
+            <a:schemeClr val="accent1">
+              <a:shade val="50000"/>
+            </a:schemeClr>
+          </a:lnRef>
+          <a:fillRef idx="1">
+            <a:schemeClr val="accent1"/>
+          </a:fillRef>
+          <a:effectRef idx="0">
+            <a:schemeClr val="accent1"/>
+          </a:effectRef>
+          <a:fontRef idx="minor">
+            <a:schemeClr val="lt1"/>
+          </a:fontRef>
+        </p:style>
+        <p:txBody>
+          <a:bodyPr rtlCol="0" anchor="ctr"/>
+          <a:lstStyle/>
+          <a:p>
+            <a:pPr algn="ctr"/>
+            <a:endParaRPr lang="pt-PT"/>
+          </a:p>
+        </p:txBody>
+      </p:sp>
+      <p:sp>
+        <p:nvSpPr>
+          <p:cNvPr id="32" name="Oval 31">
+            <a:extLst>
+              <a:ext uri="{FF2B5EF4-FFF2-40B4-BE49-F238E27FC236}">
+                <a16:creationId xmlns:a16="http://schemas.microsoft.com/office/drawing/2014/main" id="{53A47781-9027-4A82-9998-4CDFB6ED08D2}"/>
+              </a:ext>
+            </a:extLst>
+          </p:cNvPr>
+          <p:cNvSpPr/>
+          <p:nvPr/>
+        </p:nvSpPr>
+        <p:spPr>
+          <a:xfrm>
+            <a:off x="3573375" y="3267023"/>
+            <a:ext cx="45719" cy="58879"/>
+          </a:xfrm>
+          <a:prstGeom prst="ellipse">
+            <a:avLst/>
+          </a:prstGeom>
+          <a:solidFill>
+            <a:schemeClr val="tx1"/>
+          </a:solidFill>
+          <a:ln>
+            <a:solidFill>
+              <a:schemeClr val="bg1"/>
+            </a:solidFill>
+          </a:ln>
+        </p:spPr>
+        <p:style>
+          <a:lnRef idx="2">
+            <a:schemeClr val="accent1">
+              <a:shade val="50000"/>
+            </a:schemeClr>
+          </a:lnRef>
+          <a:fillRef idx="1">
+            <a:schemeClr val="accent1"/>
+          </a:fillRef>
+          <a:effectRef idx="0">
+            <a:schemeClr val="accent1"/>
+          </a:effectRef>
+          <a:fontRef idx="minor">
+            <a:schemeClr val="lt1"/>
+          </a:fontRef>
+        </p:style>
+        <p:txBody>
+          <a:bodyPr rtlCol="0" anchor="ctr"/>
+          <a:lstStyle/>
+          <a:p>
+            <a:pPr algn="ctr"/>
+            <a:endParaRPr lang="pt-PT"/>
+          </a:p>
+        </p:txBody>
+      </p:sp>
+      <p:sp>
+        <p:nvSpPr>
+          <p:cNvPr id="33" name="Oval 32">
+            <a:extLst>
+              <a:ext uri="{FF2B5EF4-FFF2-40B4-BE49-F238E27FC236}">
+                <a16:creationId xmlns:a16="http://schemas.microsoft.com/office/drawing/2014/main" id="{98FEADAC-8ACF-4B7F-BB69-F4EC04C150DC}"/>
+              </a:ext>
+            </a:extLst>
+          </p:cNvPr>
+          <p:cNvSpPr/>
+          <p:nvPr/>
+        </p:nvSpPr>
+        <p:spPr>
+          <a:xfrm>
+            <a:off x="3668775" y="3267023"/>
+            <a:ext cx="45719" cy="58879"/>
+          </a:xfrm>
+          <a:prstGeom prst="ellipse">
+            <a:avLst/>
+          </a:prstGeom>
+          <a:solidFill>
+            <a:schemeClr val="tx1"/>
+          </a:solidFill>
+          <a:ln>
+            <a:solidFill>
+              <a:schemeClr val="bg1"/>
+            </a:solidFill>
+          </a:ln>
+        </p:spPr>
+        <p:style>
+          <a:lnRef idx="2">
+            <a:schemeClr val="accent1">
+              <a:shade val="50000"/>
+            </a:schemeClr>
+          </a:lnRef>
+          <a:fillRef idx="1">
+            <a:schemeClr val="accent1"/>
+          </a:fillRef>
+          <a:effectRef idx="0">
+            <a:schemeClr val="accent1"/>
+          </a:effectRef>
+          <a:fontRef idx="minor">
+            <a:schemeClr val="lt1"/>
+          </a:fontRef>
+        </p:style>
+        <p:txBody>
+          <a:bodyPr rtlCol="0" anchor="ctr"/>
+          <a:lstStyle/>
+          <a:p>
+            <a:pPr algn="ctr"/>
+            <a:endParaRPr lang="pt-PT"/>
+          </a:p>
+        </p:txBody>
+      </p:sp>
+      <p:sp>
+        <p:nvSpPr>
+          <p:cNvPr id="34" name="Right Brace 5">
+            <a:extLst>
+              <a:ext uri="{FF2B5EF4-FFF2-40B4-BE49-F238E27FC236}">
+                <a16:creationId xmlns:a16="http://schemas.microsoft.com/office/drawing/2014/main" id="{FA22F3CF-EA5D-4C91-8A83-2CC4D8DCFF90}"/>
+              </a:ext>
+            </a:extLst>
+          </p:cNvPr>
+          <p:cNvSpPr/>
+          <p:nvPr/>
+        </p:nvSpPr>
+        <p:spPr>
+          <a:xfrm rot="16200000">
+            <a:off x="7992928" y="2379204"/>
+            <a:ext cx="696032" cy="1803778"/>
+          </a:xfrm>
+          <a:prstGeom prst="rightBrace">
+            <a:avLst/>
+          </a:prstGeom>
+        </p:spPr>
+        <p:style>
+          <a:lnRef idx="3">
+            <a:schemeClr val="dk1"/>
+          </a:lnRef>
+          <a:fillRef idx="0">
+            <a:schemeClr val="dk1"/>
+          </a:fillRef>
+          <a:effectRef idx="2">
+            <a:schemeClr val="dk1"/>
+          </a:effectRef>
+          <a:fontRef idx="minor">
+            <a:schemeClr val="tx1"/>
+          </a:fontRef>
+        </p:style>
+        <p:txBody>
+          <a:bodyPr rtlCol="0" anchor="ctr"/>
+          <a:lstStyle/>
+          <a:p>
+            <a:pPr algn="ctr"/>
+            <a:endParaRPr lang="pt-PT"/>
+          </a:p>
+        </p:txBody>
+      </p:sp>
+      <p:sp>
+        <p:nvSpPr>
+          <p:cNvPr id="18" name="Retângulo 17">
+            <a:extLst>
+              <a:ext uri="{FF2B5EF4-FFF2-40B4-BE49-F238E27FC236}">
+                <a16:creationId xmlns:a16="http://schemas.microsoft.com/office/drawing/2014/main" id="{D758B648-03D8-48B0-87DF-11430E897CF2}"/>
+              </a:ext>
+            </a:extLst>
+          </p:cNvPr>
+          <p:cNvSpPr/>
+          <p:nvPr/>
+        </p:nvSpPr>
+        <p:spPr>
+          <a:xfrm>
+            <a:off x="7972575" y="2577622"/>
+            <a:ext cx="1803778" cy="1309483"/>
+          </a:xfrm>
+          <a:prstGeom prst="rect">
+            <a:avLst/>
+          </a:prstGeom>
+          <a:solidFill>
+            <a:schemeClr val="bg1"/>
+          </a:solidFill>
+          <a:ln>
+            <a:solidFill>
+              <a:schemeClr val="bg1"/>
+            </a:solidFill>
+          </a:ln>
+        </p:spPr>
+        <p:style>
+          <a:lnRef idx="2">
+            <a:schemeClr val="accent1">
+              <a:shade val="50000"/>
+            </a:schemeClr>
+          </a:lnRef>
+          <a:fillRef idx="1">
+            <a:schemeClr val="accent1"/>
+          </a:fillRef>
+          <a:effectRef idx="0">
+            <a:schemeClr val="accent1"/>
+          </a:effectRef>
+          <a:fontRef idx="minor">
+            <a:schemeClr val="lt1"/>
+          </a:fontRef>
+        </p:style>
+        <p:txBody>
+          <a:bodyPr rtlCol="0" anchor="ctr"/>
+          <a:lstStyle/>
+          <a:p>
+            <a:pPr algn="ctr"/>
+            <a:endParaRPr lang="pt-PT"/>
+          </a:p>
+        </p:txBody>
+      </p:sp>
+      <p:sp>
+        <p:nvSpPr>
+          <p:cNvPr id="38" name="Oval 37">
+            <a:extLst>
+              <a:ext uri="{FF2B5EF4-FFF2-40B4-BE49-F238E27FC236}">
+                <a16:creationId xmlns:a16="http://schemas.microsoft.com/office/drawing/2014/main" id="{B63DF649-2223-4422-8DF3-80438E19879E}"/>
+              </a:ext>
+            </a:extLst>
+          </p:cNvPr>
+          <p:cNvSpPr/>
+          <p:nvPr/>
+        </p:nvSpPr>
+        <p:spPr>
+          <a:xfrm>
+            <a:off x="8022183" y="3237583"/>
+            <a:ext cx="45719" cy="58879"/>
+          </a:xfrm>
+          <a:prstGeom prst="ellipse">
+            <a:avLst/>
+          </a:prstGeom>
+          <a:solidFill>
+            <a:schemeClr val="tx1"/>
+          </a:solidFill>
+          <a:ln>
+            <a:solidFill>
+              <a:schemeClr val="bg1"/>
+            </a:solidFill>
+          </a:ln>
+        </p:spPr>
+        <p:style>
+          <a:lnRef idx="2">
+            <a:schemeClr val="accent1">
+              <a:shade val="50000"/>
+            </a:schemeClr>
+          </a:lnRef>
+          <a:fillRef idx="1">
+            <a:schemeClr val="accent1"/>
+          </a:fillRef>
+          <a:effectRef idx="0">
+            <a:schemeClr val="accent1"/>
+          </a:effectRef>
+          <a:fontRef idx="minor">
+            <a:schemeClr val="lt1"/>
+          </a:fontRef>
+        </p:style>
+        <p:txBody>
+          <a:bodyPr rtlCol="0" anchor="ctr"/>
+          <a:lstStyle/>
+          <a:p>
+            <a:pPr algn="ctr"/>
+            <a:endParaRPr lang="pt-PT"/>
+          </a:p>
+        </p:txBody>
+      </p:sp>
+      <p:sp>
+        <p:nvSpPr>
+          <p:cNvPr id="39" name="Oval 38">
+            <a:extLst>
+              <a:ext uri="{FF2B5EF4-FFF2-40B4-BE49-F238E27FC236}">
+                <a16:creationId xmlns:a16="http://schemas.microsoft.com/office/drawing/2014/main" id="{F2FE41A5-AF73-4960-ACD2-9F56619A489C}"/>
+              </a:ext>
+            </a:extLst>
+          </p:cNvPr>
+          <p:cNvSpPr/>
+          <p:nvPr/>
+        </p:nvSpPr>
+        <p:spPr>
+          <a:xfrm>
+            <a:off x="8097359" y="3237583"/>
+            <a:ext cx="45719" cy="58879"/>
+          </a:xfrm>
+          <a:prstGeom prst="ellipse">
+            <a:avLst/>
+          </a:prstGeom>
+          <a:solidFill>
+            <a:schemeClr val="tx1"/>
+          </a:solidFill>
+          <a:ln>
+            <a:solidFill>
+              <a:schemeClr val="bg1"/>
+            </a:solidFill>
+          </a:ln>
+        </p:spPr>
+        <p:style>
+          <a:lnRef idx="2">
+            <a:schemeClr val="accent1">
+              <a:shade val="50000"/>
+            </a:schemeClr>
+          </a:lnRef>
+          <a:fillRef idx="1">
+            <a:schemeClr val="accent1"/>
+          </a:fillRef>
+          <a:effectRef idx="0">
+            <a:schemeClr val="accent1"/>
+          </a:effectRef>
+          <a:fontRef idx="minor">
+            <a:schemeClr val="lt1"/>
+          </a:fontRef>
+        </p:style>
+        <p:txBody>
+          <a:bodyPr rtlCol="0" anchor="ctr"/>
+          <a:lstStyle/>
+          <a:p>
+            <a:pPr algn="ctr"/>
+            <a:endParaRPr lang="pt-PT"/>
+          </a:p>
+        </p:txBody>
+      </p:sp>
+      <p:sp>
+        <p:nvSpPr>
+          <p:cNvPr id="40" name="Oval 39">
+            <a:extLst>
+              <a:ext uri="{FF2B5EF4-FFF2-40B4-BE49-F238E27FC236}">
+                <a16:creationId xmlns:a16="http://schemas.microsoft.com/office/drawing/2014/main" id="{D7A711E0-015F-4F72-B798-9A39B63F18DF}"/>
+              </a:ext>
+            </a:extLst>
+          </p:cNvPr>
+          <p:cNvSpPr/>
+          <p:nvPr/>
+        </p:nvSpPr>
+        <p:spPr>
+          <a:xfrm>
+            <a:off x="8175003" y="3237583"/>
+            <a:ext cx="45719" cy="58879"/>
+          </a:xfrm>
+          <a:prstGeom prst="ellipse">
+            <a:avLst/>
+          </a:prstGeom>
+          <a:solidFill>
+            <a:schemeClr val="tx1"/>
+          </a:solidFill>
+          <a:ln>
+            <a:solidFill>
+              <a:schemeClr val="bg1"/>
+            </a:solidFill>
+          </a:ln>
+        </p:spPr>
+        <p:style>
+          <a:lnRef idx="2">
+            <a:schemeClr val="accent1">
+              <a:shade val="50000"/>
+            </a:schemeClr>
+          </a:lnRef>
+          <a:fillRef idx="1">
+            <a:schemeClr val="accent1"/>
+          </a:fillRef>
+          <a:effectRef idx="0">
+            <a:schemeClr val="accent1"/>
+          </a:effectRef>
+          <a:fontRef idx="minor">
+            <a:schemeClr val="lt1"/>
+          </a:fontRef>
+        </p:style>
+        <p:txBody>
+          <a:bodyPr rtlCol="0" anchor="ctr"/>
+          <a:lstStyle/>
+          <a:p>
+            <a:pPr algn="ctr"/>
+            <a:endParaRPr lang="pt-PT"/>
+          </a:p>
+        </p:txBody>
+      </p:sp>
+      <p:sp>
+        <p:nvSpPr>
+          <p:cNvPr id="41" name="Right Brace 6">
+            <a:extLst>
+              <a:ext uri="{FF2B5EF4-FFF2-40B4-BE49-F238E27FC236}">
+                <a16:creationId xmlns:a16="http://schemas.microsoft.com/office/drawing/2014/main" id="{95474E9F-189D-40E8-8B93-CFB62030DFBF}"/>
+              </a:ext>
+            </a:extLst>
+          </p:cNvPr>
+          <p:cNvSpPr/>
+          <p:nvPr/>
+        </p:nvSpPr>
+        <p:spPr>
+          <a:xfrm rot="5400000">
+            <a:off x="3157733" y="3551791"/>
+            <a:ext cx="573204" cy="1733265"/>
+          </a:xfrm>
+          <a:prstGeom prst="rightBrace">
+            <a:avLst/>
+          </a:prstGeom>
+        </p:spPr>
+        <p:style>
+          <a:lnRef idx="3">
+            <a:schemeClr val="dk1"/>
+          </a:lnRef>
+          <a:fillRef idx="0">
+            <a:schemeClr val="dk1"/>
+          </a:fillRef>
+          <a:effectRef idx="2">
+            <a:schemeClr val="dk1"/>
+          </a:effectRef>
+          <a:fontRef idx="minor">
+            <a:schemeClr val="tx1"/>
+          </a:fontRef>
+        </p:style>
+        <p:txBody>
+          <a:bodyPr rtlCol="0" anchor="ctr"/>
+          <a:lstStyle/>
+          <a:p>
+            <a:pPr algn="ctr"/>
+            <a:endParaRPr lang="pt-PT"/>
+          </a:p>
+        </p:txBody>
+      </p:sp>
+      <p:sp>
+        <p:nvSpPr>
+          <p:cNvPr id="19" name="Retângulo 18">
+            <a:extLst>
+              <a:ext uri="{FF2B5EF4-FFF2-40B4-BE49-F238E27FC236}">
+                <a16:creationId xmlns:a16="http://schemas.microsoft.com/office/drawing/2014/main" id="{4314CE2D-090D-4589-A28F-F41732331D95}"/>
+              </a:ext>
+            </a:extLst>
+          </p:cNvPr>
+          <p:cNvSpPr/>
+          <p:nvPr/>
+        </p:nvSpPr>
+        <p:spPr>
+          <a:xfrm>
+            <a:off x="2104008" y="3817398"/>
+            <a:ext cx="1515086" cy="1370608"/>
+          </a:xfrm>
+          <a:prstGeom prst="rect">
+            <a:avLst/>
+          </a:prstGeom>
+          <a:solidFill>
+            <a:schemeClr val="bg1"/>
+          </a:solidFill>
+          <a:ln>
+            <a:solidFill>
+              <a:schemeClr val="bg1"/>
+            </a:solidFill>
+          </a:ln>
+        </p:spPr>
+        <p:style>
+          <a:lnRef idx="2">
+            <a:schemeClr val="accent1">
+              <a:shade val="50000"/>
+            </a:schemeClr>
+          </a:lnRef>
+          <a:fillRef idx="1">
+            <a:schemeClr val="accent1"/>
+          </a:fillRef>
+          <a:effectRef idx="0">
+            <a:schemeClr val="accent1"/>
+          </a:effectRef>
+          <a:fontRef idx="minor">
+            <a:schemeClr val="lt1"/>
+          </a:fontRef>
+        </p:style>
+        <p:txBody>
+          <a:bodyPr rtlCol="0" anchor="ctr"/>
+          <a:lstStyle/>
+          <a:p>
+            <a:pPr algn="ctr"/>
+            <a:endParaRPr lang="pt-PT"/>
+          </a:p>
+        </p:txBody>
+      </p:sp>
+      <p:sp>
+        <p:nvSpPr>
+          <p:cNvPr id="42" name="Oval 41">
+            <a:extLst>
+              <a:ext uri="{FF2B5EF4-FFF2-40B4-BE49-F238E27FC236}">
+                <a16:creationId xmlns:a16="http://schemas.microsoft.com/office/drawing/2014/main" id="{FD88278E-9CB1-4127-B153-9CB3288AACCD}"/>
+              </a:ext>
+            </a:extLst>
+          </p:cNvPr>
+          <p:cNvSpPr/>
+          <p:nvPr/>
+        </p:nvSpPr>
+        <p:spPr>
+          <a:xfrm>
+            <a:off x="3391480" y="4379789"/>
+            <a:ext cx="45719" cy="58879"/>
+          </a:xfrm>
+          <a:prstGeom prst="ellipse">
+            <a:avLst/>
+          </a:prstGeom>
+          <a:solidFill>
+            <a:schemeClr val="tx1"/>
+          </a:solidFill>
+          <a:ln>
+            <a:solidFill>
+              <a:schemeClr val="bg1"/>
+            </a:solidFill>
+          </a:ln>
+        </p:spPr>
+        <p:style>
+          <a:lnRef idx="2">
+            <a:schemeClr val="accent1">
+              <a:shade val="50000"/>
+            </a:schemeClr>
+          </a:lnRef>
+          <a:fillRef idx="1">
+            <a:schemeClr val="accent1"/>
+          </a:fillRef>
+          <a:effectRef idx="0">
+            <a:schemeClr val="accent1"/>
+          </a:effectRef>
+          <a:fontRef idx="minor">
+            <a:schemeClr val="lt1"/>
+          </a:fontRef>
+        </p:style>
+        <p:txBody>
+          <a:bodyPr rtlCol="0" anchor="ctr"/>
+          <a:lstStyle/>
+          <a:p>
+            <a:pPr algn="ctr"/>
+            <a:endParaRPr lang="pt-PT"/>
+          </a:p>
+        </p:txBody>
+      </p:sp>
+      <p:sp>
+        <p:nvSpPr>
+          <p:cNvPr id="43" name="Oval 42">
+            <a:extLst>
+              <a:ext uri="{FF2B5EF4-FFF2-40B4-BE49-F238E27FC236}">
+                <a16:creationId xmlns:a16="http://schemas.microsoft.com/office/drawing/2014/main" id="{4194159F-0FFB-41C5-AEB7-C65F1609DDB1}"/>
+              </a:ext>
+            </a:extLst>
+          </p:cNvPr>
+          <p:cNvSpPr/>
+          <p:nvPr/>
+        </p:nvSpPr>
+        <p:spPr>
+          <a:xfrm>
+            <a:off x="3466656" y="4379789"/>
+            <a:ext cx="45719" cy="58879"/>
+          </a:xfrm>
+          <a:prstGeom prst="ellipse">
+            <a:avLst/>
+          </a:prstGeom>
+          <a:solidFill>
+            <a:schemeClr val="tx1"/>
+          </a:solidFill>
+          <a:ln>
+            <a:solidFill>
+              <a:schemeClr val="bg1"/>
+            </a:solidFill>
+          </a:ln>
+        </p:spPr>
+        <p:style>
+          <a:lnRef idx="2">
+            <a:schemeClr val="accent1">
+              <a:shade val="50000"/>
+            </a:schemeClr>
+          </a:lnRef>
+          <a:fillRef idx="1">
+            <a:schemeClr val="accent1"/>
+          </a:fillRef>
+          <a:effectRef idx="0">
+            <a:schemeClr val="accent1"/>
+          </a:effectRef>
+          <a:fontRef idx="minor">
+            <a:schemeClr val="lt1"/>
+          </a:fontRef>
+        </p:style>
+        <p:txBody>
+          <a:bodyPr rtlCol="0" anchor="ctr"/>
+          <a:lstStyle/>
+          <a:p>
+            <a:pPr algn="ctr"/>
+            <a:endParaRPr lang="pt-PT"/>
+          </a:p>
+        </p:txBody>
+      </p:sp>
+      <p:sp>
+        <p:nvSpPr>
+          <p:cNvPr id="44" name="Oval 43">
+            <a:extLst>
+              <a:ext uri="{FF2B5EF4-FFF2-40B4-BE49-F238E27FC236}">
+                <a16:creationId xmlns:a16="http://schemas.microsoft.com/office/drawing/2014/main" id="{0F15623A-A1DA-46F3-8E15-DF50E34C5910}"/>
+              </a:ext>
+            </a:extLst>
+          </p:cNvPr>
+          <p:cNvSpPr/>
+          <p:nvPr/>
+        </p:nvSpPr>
+        <p:spPr>
+          <a:xfrm>
+            <a:off x="3544300" y="4379789"/>
+            <a:ext cx="45719" cy="58879"/>
+          </a:xfrm>
+          <a:prstGeom prst="ellipse">
+            <a:avLst/>
+          </a:prstGeom>
+          <a:solidFill>
+            <a:schemeClr val="tx1"/>
+          </a:solidFill>
+          <a:ln>
+            <a:solidFill>
+              <a:schemeClr val="bg1"/>
+            </a:solidFill>
+          </a:ln>
+        </p:spPr>
+        <p:style>
+          <a:lnRef idx="2">
+            <a:schemeClr val="accent1">
+              <a:shade val="50000"/>
+            </a:schemeClr>
+          </a:lnRef>
+          <a:fillRef idx="1">
+            <a:schemeClr val="accent1"/>
+          </a:fillRef>
+          <a:effectRef idx="0">
+            <a:schemeClr val="accent1"/>
+          </a:effectRef>
+          <a:fontRef idx="minor">
+            <a:schemeClr val="lt1"/>
+          </a:fontRef>
+        </p:style>
+        <p:txBody>
+          <a:bodyPr rtlCol="0" anchor="ctr"/>
+          <a:lstStyle/>
+          <a:p>
+            <a:pPr algn="ctr"/>
+            <a:endParaRPr lang="pt-PT"/>
+          </a:p>
+        </p:txBody>
+      </p:sp>
     </p:spTree>
     <p:extLst>
       <p:ext uri="{BB962C8B-B14F-4D97-AF65-F5344CB8AC3E}">
